--- a/presentaties/lessons_learned.pptx
+++ b/presentaties/lessons_learned.pptx
@@ -4,6 +4,9 @@
   <p:sldMasterIdLst>
     <p:sldMasterId id="2147483648" r:id="rId1"/>
   </p:sldMasterIdLst>
+  <p:notesMasterIdLst>
+    <p:notesMasterId r:id="rId16"/>
+  </p:notesMasterIdLst>
   <p:sldIdLst>
     <p:sldId id="268" r:id="rId2"/>
     <p:sldId id="256" r:id="rId3"/>
@@ -13,10 +16,12 @@
     <p:sldId id="261" r:id="rId7"/>
     <p:sldId id="267" r:id="rId8"/>
     <p:sldId id="262" r:id="rId9"/>
-    <p:sldId id="266" r:id="rId10"/>
-    <p:sldId id="263" r:id="rId11"/>
-    <p:sldId id="264" r:id="rId12"/>
-    <p:sldId id="265" r:id="rId13"/>
+    <p:sldId id="269" r:id="rId10"/>
+    <p:sldId id="266" r:id="rId11"/>
+    <p:sldId id="263" r:id="rId12"/>
+    <p:sldId id="264" r:id="rId13"/>
+    <p:sldId id="265" r:id="rId14"/>
+    <p:sldId id="270" r:id="rId15"/>
   </p:sldIdLst>
   <p:sldSz cx="12192000" cy="6858000"/>
   <p:notesSz cx="6858000" cy="9144000"/>
@@ -115,7 +120,1098 @@
       </a:defRPr>
     </a:lvl9pPr>
   </p:defaultTextStyle>
+  <p:extLst>
+    <p:ext uri="{EFAFB233-063F-42B5-8137-9DF3F51BA10A}">
+      <p15:sldGuideLst xmlns:p15="http://schemas.microsoft.com/office/powerpoint/2012/main"/>
+    </p:ext>
+  </p:extLst>
 </p:presentation>
+</file>
+
+<file path=ppt/notesMasters/notesMaster1.xml><?xml version="1.0" encoding="utf-8"?>
+<p:notesMaster xmlns:a="http://schemas.openxmlformats.org/drawingml/2006/main" xmlns:r="http://schemas.openxmlformats.org/officeDocument/2006/relationships" xmlns:p="http://schemas.openxmlformats.org/presentationml/2006/main">
+  <p:cSld>
+    <p:bg>
+      <p:bgRef idx="1001">
+        <a:schemeClr val="bg1"/>
+      </p:bgRef>
+    </p:bg>
+    <p:spTree>
+      <p:nvGrpSpPr>
+        <p:cNvPr id="1" name=""/>
+        <p:cNvGrpSpPr/>
+        <p:nvPr/>
+      </p:nvGrpSpPr>
+      <p:grpSpPr>
+        <a:xfrm>
+          <a:off x="0" y="0"/>
+          <a:ext cx="0" cy="0"/>
+          <a:chOff x="0" y="0"/>
+          <a:chExt cx="0" cy="0"/>
+        </a:xfrm>
+      </p:grpSpPr>
+      <p:sp>
+        <p:nvSpPr>
+          <p:cNvPr id="2" name="Tijdelijke aanduiding voor koptekst 1"/>
+          <p:cNvSpPr>
+            <a:spLocks noGrp="1"/>
+          </p:cNvSpPr>
+          <p:nvPr>
+            <p:ph type="hdr" sz="quarter"/>
+          </p:nvPr>
+        </p:nvSpPr>
+        <p:spPr>
+          <a:xfrm>
+            <a:off x="0" y="0"/>
+            <a:ext cx="2971800" cy="458788"/>
+          </a:xfrm>
+          <a:prstGeom prst="rect">
+            <a:avLst/>
+          </a:prstGeom>
+        </p:spPr>
+        <p:txBody>
+          <a:bodyPr vert="horz" lIns="91440" tIns="45720" rIns="91440" bIns="45720" rtlCol="0"/>
+          <a:lstStyle>
+            <a:lvl1pPr algn="l">
+              <a:defRPr sz="1200"/>
+            </a:lvl1pPr>
+          </a:lstStyle>
+          <a:p>
+            <a:endParaRPr lang="nl-NL"/>
+          </a:p>
+        </p:txBody>
+      </p:sp>
+      <p:sp>
+        <p:nvSpPr>
+          <p:cNvPr id="3" name="Tijdelijke aanduiding voor datum 2"/>
+          <p:cNvSpPr>
+            <a:spLocks noGrp="1"/>
+          </p:cNvSpPr>
+          <p:nvPr>
+            <p:ph type="dt" idx="1"/>
+          </p:nvPr>
+        </p:nvSpPr>
+        <p:spPr>
+          <a:xfrm>
+            <a:off x="3884613" y="0"/>
+            <a:ext cx="2971800" cy="458788"/>
+          </a:xfrm>
+          <a:prstGeom prst="rect">
+            <a:avLst/>
+          </a:prstGeom>
+        </p:spPr>
+        <p:txBody>
+          <a:bodyPr vert="horz" lIns="91440" tIns="45720" rIns="91440" bIns="45720" rtlCol="0"/>
+          <a:lstStyle>
+            <a:lvl1pPr algn="r">
+              <a:defRPr sz="1200"/>
+            </a:lvl1pPr>
+          </a:lstStyle>
+          <a:p>
+            <a:fld id="{3C033226-99CE-4A0B-A059-597BDF3BAC48}" type="datetimeFigureOut">
+              <a:rPr lang="nl-NL" smtClean="0"/>
+              <a:t>11-12-2019</a:t>
+            </a:fld>
+            <a:endParaRPr lang="nl-NL"/>
+          </a:p>
+        </p:txBody>
+      </p:sp>
+      <p:sp>
+        <p:nvSpPr>
+          <p:cNvPr id="4" name="Tijdelijke aanduiding voor dia-afbeelding 3"/>
+          <p:cNvSpPr>
+            <a:spLocks noGrp="1" noRot="1" noChangeAspect="1"/>
+          </p:cNvSpPr>
+          <p:nvPr>
+            <p:ph type="sldImg" idx="2"/>
+          </p:nvPr>
+        </p:nvSpPr>
+        <p:spPr>
+          <a:xfrm>
+            <a:off x="685800" y="1143000"/>
+            <a:ext cx="5486400" cy="3086100"/>
+          </a:xfrm>
+          <a:prstGeom prst="rect">
+            <a:avLst/>
+          </a:prstGeom>
+          <a:noFill/>
+          <a:ln w="12700">
+            <a:solidFill>
+              <a:prstClr val="black"/>
+            </a:solidFill>
+          </a:ln>
+        </p:spPr>
+        <p:txBody>
+          <a:bodyPr vert="horz" lIns="91440" tIns="45720" rIns="91440" bIns="45720" rtlCol="0" anchor="ctr"/>
+          <a:lstStyle/>
+          <a:p>
+            <a:endParaRPr lang="nl-NL"/>
+          </a:p>
+        </p:txBody>
+      </p:sp>
+      <p:sp>
+        <p:nvSpPr>
+          <p:cNvPr id="5" name="Tijdelijke aanduiding voor notities 4"/>
+          <p:cNvSpPr>
+            <a:spLocks noGrp="1"/>
+          </p:cNvSpPr>
+          <p:nvPr>
+            <p:ph type="body" sz="quarter" idx="3"/>
+          </p:nvPr>
+        </p:nvSpPr>
+        <p:spPr>
+          <a:xfrm>
+            <a:off x="685800" y="4400550"/>
+            <a:ext cx="5486400" cy="3600450"/>
+          </a:xfrm>
+          <a:prstGeom prst="rect">
+            <a:avLst/>
+          </a:prstGeom>
+        </p:spPr>
+        <p:txBody>
+          <a:bodyPr vert="horz" lIns="91440" tIns="45720" rIns="91440" bIns="45720" rtlCol="0"/>
+          <a:lstStyle/>
+          <a:p>
+            <a:pPr lvl="0"/>
+            <a:r>
+              <a:rPr lang="nl-NL"/>
+              <a:t>Klikken om de tekststijl van het model te bewerken</a:t>
+            </a:r>
+          </a:p>
+          <a:p>
+            <a:pPr lvl="1"/>
+            <a:r>
+              <a:rPr lang="nl-NL"/>
+              <a:t>Tweede niveau</a:t>
+            </a:r>
+          </a:p>
+          <a:p>
+            <a:pPr lvl="2"/>
+            <a:r>
+              <a:rPr lang="nl-NL"/>
+              <a:t>Derde niveau</a:t>
+            </a:r>
+          </a:p>
+          <a:p>
+            <a:pPr lvl="3"/>
+            <a:r>
+              <a:rPr lang="nl-NL"/>
+              <a:t>Vierde niveau</a:t>
+            </a:r>
+          </a:p>
+          <a:p>
+            <a:pPr lvl="4"/>
+            <a:r>
+              <a:rPr lang="nl-NL"/>
+              <a:t>Vijfde niveau</a:t>
+            </a:r>
+          </a:p>
+        </p:txBody>
+      </p:sp>
+      <p:sp>
+        <p:nvSpPr>
+          <p:cNvPr id="6" name="Tijdelijke aanduiding voor voettekst 5"/>
+          <p:cNvSpPr>
+            <a:spLocks noGrp="1"/>
+          </p:cNvSpPr>
+          <p:nvPr>
+            <p:ph type="ftr" sz="quarter" idx="4"/>
+          </p:nvPr>
+        </p:nvSpPr>
+        <p:spPr>
+          <a:xfrm>
+            <a:off x="0" y="8685213"/>
+            <a:ext cx="2971800" cy="458787"/>
+          </a:xfrm>
+          <a:prstGeom prst="rect">
+            <a:avLst/>
+          </a:prstGeom>
+        </p:spPr>
+        <p:txBody>
+          <a:bodyPr vert="horz" lIns="91440" tIns="45720" rIns="91440" bIns="45720" rtlCol="0" anchor="b"/>
+          <a:lstStyle>
+            <a:lvl1pPr algn="l">
+              <a:defRPr sz="1200"/>
+            </a:lvl1pPr>
+          </a:lstStyle>
+          <a:p>
+            <a:endParaRPr lang="nl-NL"/>
+          </a:p>
+        </p:txBody>
+      </p:sp>
+      <p:sp>
+        <p:nvSpPr>
+          <p:cNvPr id="7" name="Tijdelijke aanduiding voor dianummer 6"/>
+          <p:cNvSpPr>
+            <a:spLocks noGrp="1"/>
+          </p:cNvSpPr>
+          <p:nvPr>
+            <p:ph type="sldNum" sz="quarter" idx="5"/>
+          </p:nvPr>
+        </p:nvSpPr>
+        <p:spPr>
+          <a:xfrm>
+            <a:off x="3884613" y="8685213"/>
+            <a:ext cx="2971800" cy="458787"/>
+          </a:xfrm>
+          <a:prstGeom prst="rect">
+            <a:avLst/>
+          </a:prstGeom>
+        </p:spPr>
+        <p:txBody>
+          <a:bodyPr vert="horz" lIns="91440" tIns="45720" rIns="91440" bIns="45720" rtlCol="0" anchor="b"/>
+          <a:lstStyle>
+            <a:lvl1pPr algn="r">
+              <a:defRPr sz="1200"/>
+            </a:lvl1pPr>
+          </a:lstStyle>
+          <a:p>
+            <a:fld id="{48959DCC-E34D-4AF6-8A9D-2F2BAA46713F}" type="slidenum">
+              <a:rPr lang="nl-NL" smtClean="0"/>
+              <a:t>‹nr.›</a:t>
+            </a:fld>
+            <a:endParaRPr lang="nl-NL"/>
+          </a:p>
+        </p:txBody>
+      </p:sp>
+    </p:spTree>
+    <p:extLst>
+      <p:ext uri="{BB962C8B-B14F-4D97-AF65-F5344CB8AC3E}">
+        <p14:creationId xmlns:p14="http://schemas.microsoft.com/office/powerpoint/2010/main" val="2797309425"/>
+      </p:ext>
+    </p:extLst>
+  </p:cSld>
+  <p:clrMap bg1="lt1" tx1="dk1" bg2="lt2" tx2="dk2" accent1="accent1" accent2="accent2" accent3="accent3" accent4="accent4" accent5="accent5" accent6="accent6" hlink="hlink" folHlink="folHlink"/>
+  <p:notesStyle>
+    <a:lvl1pPr marL="0" algn="l" defTabSz="914400" rtl="0" eaLnBrk="1" latinLnBrk="0" hangingPunct="1">
+      <a:defRPr sz="1200" kern="1200">
+        <a:solidFill>
+          <a:schemeClr val="tx1"/>
+        </a:solidFill>
+        <a:latin typeface="+mn-lt"/>
+        <a:ea typeface="+mn-ea"/>
+        <a:cs typeface="+mn-cs"/>
+      </a:defRPr>
+    </a:lvl1pPr>
+    <a:lvl2pPr marL="457200" algn="l" defTabSz="914400" rtl="0" eaLnBrk="1" latinLnBrk="0" hangingPunct="1">
+      <a:defRPr sz="1200" kern="1200">
+        <a:solidFill>
+          <a:schemeClr val="tx1"/>
+        </a:solidFill>
+        <a:latin typeface="+mn-lt"/>
+        <a:ea typeface="+mn-ea"/>
+        <a:cs typeface="+mn-cs"/>
+      </a:defRPr>
+    </a:lvl2pPr>
+    <a:lvl3pPr marL="914400" algn="l" defTabSz="914400" rtl="0" eaLnBrk="1" latinLnBrk="0" hangingPunct="1">
+      <a:defRPr sz="1200" kern="1200">
+        <a:solidFill>
+          <a:schemeClr val="tx1"/>
+        </a:solidFill>
+        <a:latin typeface="+mn-lt"/>
+        <a:ea typeface="+mn-ea"/>
+        <a:cs typeface="+mn-cs"/>
+      </a:defRPr>
+    </a:lvl3pPr>
+    <a:lvl4pPr marL="1371600" algn="l" defTabSz="914400" rtl="0" eaLnBrk="1" latinLnBrk="0" hangingPunct="1">
+      <a:defRPr sz="1200" kern="1200">
+        <a:solidFill>
+          <a:schemeClr val="tx1"/>
+        </a:solidFill>
+        <a:latin typeface="+mn-lt"/>
+        <a:ea typeface="+mn-ea"/>
+        <a:cs typeface="+mn-cs"/>
+      </a:defRPr>
+    </a:lvl4pPr>
+    <a:lvl5pPr marL="1828800" algn="l" defTabSz="914400" rtl="0" eaLnBrk="1" latinLnBrk="0" hangingPunct="1">
+      <a:defRPr sz="1200" kern="1200">
+        <a:solidFill>
+          <a:schemeClr val="tx1"/>
+        </a:solidFill>
+        <a:latin typeface="+mn-lt"/>
+        <a:ea typeface="+mn-ea"/>
+        <a:cs typeface="+mn-cs"/>
+      </a:defRPr>
+    </a:lvl5pPr>
+    <a:lvl6pPr marL="2286000" algn="l" defTabSz="914400" rtl="0" eaLnBrk="1" latinLnBrk="0" hangingPunct="1">
+      <a:defRPr sz="1200" kern="1200">
+        <a:solidFill>
+          <a:schemeClr val="tx1"/>
+        </a:solidFill>
+        <a:latin typeface="+mn-lt"/>
+        <a:ea typeface="+mn-ea"/>
+        <a:cs typeface="+mn-cs"/>
+      </a:defRPr>
+    </a:lvl6pPr>
+    <a:lvl7pPr marL="2743200" algn="l" defTabSz="914400" rtl="0" eaLnBrk="1" latinLnBrk="0" hangingPunct="1">
+      <a:defRPr sz="1200" kern="1200">
+        <a:solidFill>
+          <a:schemeClr val="tx1"/>
+        </a:solidFill>
+        <a:latin typeface="+mn-lt"/>
+        <a:ea typeface="+mn-ea"/>
+        <a:cs typeface="+mn-cs"/>
+      </a:defRPr>
+    </a:lvl7pPr>
+    <a:lvl8pPr marL="3200400" algn="l" defTabSz="914400" rtl="0" eaLnBrk="1" latinLnBrk="0" hangingPunct="1">
+      <a:defRPr sz="1200" kern="1200">
+        <a:solidFill>
+          <a:schemeClr val="tx1"/>
+        </a:solidFill>
+        <a:latin typeface="+mn-lt"/>
+        <a:ea typeface="+mn-ea"/>
+        <a:cs typeface="+mn-cs"/>
+      </a:defRPr>
+    </a:lvl8pPr>
+    <a:lvl9pPr marL="3657600" algn="l" defTabSz="914400" rtl="0" eaLnBrk="1" latinLnBrk="0" hangingPunct="1">
+      <a:defRPr sz="1200" kern="1200">
+        <a:solidFill>
+          <a:schemeClr val="tx1"/>
+        </a:solidFill>
+        <a:latin typeface="+mn-lt"/>
+        <a:ea typeface="+mn-ea"/>
+        <a:cs typeface="+mn-cs"/>
+      </a:defRPr>
+    </a:lvl9pPr>
+  </p:notesStyle>
+</p:notesMaster>
+</file>
+
+<file path=ppt/notesSlides/notesSlide1.xml><?xml version="1.0" encoding="utf-8"?>
+<p:notes xmlns:a="http://schemas.openxmlformats.org/drawingml/2006/main" xmlns:r="http://schemas.openxmlformats.org/officeDocument/2006/relationships" xmlns:p="http://schemas.openxmlformats.org/presentationml/2006/main">
+  <p:cSld>
+    <p:spTree>
+      <p:nvGrpSpPr>
+        <p:cNvPr id="1" name=""/>
+        <p:cNvGrpSpPr/>
+        <p:nvPr/>
+      </p:nvGrpSpPr>
+      <p:grpSpPr>
+        <a:xfrm>
+          <a:off x="0" y="0"/>
+          <a:ext cx="0" cy="0"/>
+          <a:chOff x="0" y="0"/>
+          <a:chExt cx="0" cy="0"/>
+        </a:xfrm>
+      </p:grpSpPr>
+      <p:sp>
+        <p:nvSpPr>
+          <p:cNvPr id="2" name="Tijdelijke aanduiding voor dia-afbeelding 1"/>
+          <p:cNvSpPr>
+            <a:spLocks noGrp="1" noRot="1" noChangeAspect="1"/>
+          </p:cNvSpPr>
+          <p:nvPr>
+            <p:ph type="sldImg"/>
+          </p:nvPr>
+        </p:nvSpPr>
+        <p:spPr/>
+      </p:sp>
+      <p:sp>
+        <p:nvSpPr>
+          <p:cNvPr id="3" name="Tijdelijke aanduiding voor notities 2"/>
+          <p:cNvSpPr>
+            <a:spLocks noGrp="1"/>
+          </p:cNvSpPr>
+          <p:nvPr>
+            <p:ph type="body" idx="1"/>
+          </p:nvPr>
+        </p:nvSpPr>
+        <p:spPr/>
+        <p:txBody>
+          <a:bodyPr/>
+          <a:lstStyle/>
+          <a:p>
+            <a:r>
+              <a:rPr lang="nl-NL"/>
+              <a:t>Maar alleen een identifier is ook niet handig, je moet ook weten waar je die identifier dan op kan halen. I.e. een URI is handiger. </a:t>
+            </a:r>
+          </a:p>
+        </p:txBody>
+      </p:sp>
+      <p:sp>
+        <p:nvSpPr>
+          <p:cNvPr id="4" name="Tijdelijke aanduiding voor dianummer 3"/>
+          <p:cNvSpPr>
+            <a:spLocks noGrp="1"/>
+          </p:cNvSpPr>
+          <p:nvPr>
+            <p:ph type="sldNum" sz="quarter" idx="5"/>
+          </p:nvPr>
+        </p:nvSpPr>
+        <p:spPr/>
+        <p:txBody>
+          <a:bodyPr/>
+          <a:lstStyle/>
+          <a:p>
+            <a:fld id="{48959DCC-E34D-4AF6-8A9D-2F2BAA46713F}" type="slidenum">
+              <a:rPr lang="nl-NL" smtClean="0"/>
+              <a:t>3</a:t>
+            </a:fld>
+            <a:endParaRPr lang="nl-NL"/>
+          </a:p>
+        </p:txBody>
+      </p:sp>
+    </p:spTree>
+    <p:extLst>
+      <p:ext uri="{BB962C8B-B14F-4D97-AF65-F5344CB8AC3E}">
+        <p14:creationId xmlns:p14="http://schemas.microsoft.com/office/powerpoint/2010/main" val="1183260843"/>
+      </p:ext>
+    </p:extLst>
+  </p:cSld>
+  <p:clrMapOvr>
+    <a:masterClrMapping/>
+  </p:clrMapOvr>
+</p:notes>
+</file>
+
+<file path=ppt/notesSlides/notesSlide2.xml><?xml version="1.0" encoding="utf-8"?>
+<p:notes xmlns:a="http://schemas.openxmlformats.org/drawingml/2006/main" xmlns:r="http://schemas.openxmlformats.org/officeDocument/2006/relationships" xmlns:p="http://schemas.openxmlformats.org/presentationml/2006/main">
+  <p:cSld>
+    <p:spTree>
+      <p:nvGrpSpPr>
+        <p:cNvPr id="1" name=""/>
+        <p:cNvGrpSpPr/>
+        <p:nvPr/>
+      </p:nvGrpSpPr>
+      <p:grpSpPr>
+        <a:xfrm>
+          <a:off x="0" y="0"/>
+          <a:ext cx="0" cy="0"/>
+          <a:chOff x="0" y="0"/>
+          <a:chExt cx="0" cy="0"/>
+        </a:xfrm>
+      </p:grpSpPr>
+      <p:sp>
+        <p:nvSpPr>
+          <p:cNvPr id="2" name="Tijdelijke aanduiding voor dia-afbeelding 1"/>
+          <p:cNvSpPr>
+            <a:spLocks noGrp="1" noRot="1" noChangeAspect="1"/>
+          </p:cNvSpPr>
+          <p:nvPr>
+            <p:ph type="sldImg"/>
+          </p:nvPr>
+        </p:nvSpPr>
+        <p:spPr/>
+      </p:sp>
+      <p:sp>
+        <p:nvSpPr>
+          <p:cNvPr id="3" name="Tijdelijke aanduiding voor notities 2"/>
+          <p:cNvSpPr>
+            <a:spLocks noGrp="1"/>
+          </p:cNvSpPr>
+          <p:nvPr>
+            <p:ph type="body" idx="1"/>
+          </p:nvPr>
+        </p:nvSpPr>
+        <p:spPr/>
+        <p:txBody>
+          <a:bodyPr/>
+          <a:lstStyle/>
+          <a:p>
+            <a:r>
+              <a:rPr lang="nl-NL"/>
+              <a:t>VOORBEELD de BAG API geeft geen gebruiksdoel terug. </a:t>
+            </a:r>
+          </a:p>
+        </p:txBody>
+      </p:sp>
+      <p:sp>
+        <p:nvSpPr>
+          <p:cNvPr id="4" name="Tijdelijke aanduiding voor dianummer 3"/>
+          <p:cNvSpPr>
+            <a:spLocks noGrp="1"/>
+          </p:cNvSpPr>
+          <p:nvPr>
+            <p:ph type="sldNum" sz="quarter" idx="5"/>
+          </p:nvPr>
+        </p:nvSpPr>
+        <p:spPr/>
+        <p:txBody>
+          <a:bodyPr/>
+          <a:lstStyle/>
+          <a:p>
+            <a:fld id="{48959DCC-E34D-4AF6-8A9D-2F2BAA46713F}" type="slidenum">
+              <a:rPr lang="nl-NL" smtClean="0"/>
+              <a:t>4</a:t>
+            </a:fld>
+            <a:endParaRPr lang="nl-NL"/>
+          </a:p>
+        </p:txBody>
+      </p:sp>
+    </p:spTree>
+    <p:extLst>
+      <p:ext uri="{BB962C8B-B14F-4D97-AF65-F5344CB8AC3E}">
+        <p14:creationId xmlns:p14="http://schemas.microsoft.com/office/powerpoint/2010/main" val="2471488787"/>
+      </p:ext>
+    </p:extLst>
+  </p:cSld>
+  <p:clrMapOvr>
+    <a:masterClrMapping/>
+  </p:clrMapOvr>
+</p:notes>
+</file>
+
+<file path=ppt/notesSlides/notesSlide3.xml><?xml version="1.0" encoding="utf-8"?>
+<p:notes xmlns:a="http://schemas.openxmlformats.org/drawingml/2006/main" xmlns:r="http://schemas.openxmlformats.org/officeDocument/2006/relationships" xmlns:p="http://schemas.openxmlformats.org/presentationml/2006/main">
+  <p:cSld>
+    <p:spTree>
+      <p:nvGrpSpPr>
+        <p:cNvPr id="1" name=""/>
+        <p:cNvGrpSpPr/>
+        <p:nvPr/>
+      </p:nvGrpSpPr>
+      <p:grpSpPr>
+        <a:xfrm>
+          <a:off x="0" y="0"/>
+          <a:ext cx="0" cy="0"/>
+          <a:chOff x="0" y="0"/>
+          <a:chExt cx="0" cy="0"/>
+        </a:xfrm>
+      </p:grpSpPr>
+      <p:sp>
+        <p:nvSpPr>
+          <p:cNvPr id="2" name="Tijdelijke aanduiding voor dia-afbeelding 1"/>
+          <p:cNvSpPr>
+            <a:spLocks noGrp="1" noRot="1" noChangeAspect="1"/>
+          </p:cNvSpPr>
+          <p:nvPr>
+            <p:ph type="sldImg"/>
+          </p:nvPr>
+        </p:nvSpPr>
+        <p:spPr/>
+      </p:sp>
+      <p:sp>
+        <p:nvSpPr>
+          <p:cNvPr id="3" name="Tijdelijke aanduiding voor notities 2"/>
+          <p:cNvSpPr>
+            <a:spLocks noGrp="1"/>
+          </p:cNvSpPr>
+          <p:nvPr>
+            <p:ph type="body" idx="1"/>
+          </p:nvPr>
+        </p:nvSpPr>
+        <p:spPr/>
+        <p:txBody>
+          <a:bodyPr/>
+          <a:lstStyle/>
+          <a:p>
+            <a:r>
+              <a:rPr lang="nl-NL"/>
+              <a:t>De API implementeert niet 1 op 1 het datamodel. Soms is er helemaal geen informatiemodel</a:t>
+            </a:r>
+          </a:p>
+        </p:txBody>
+      </p:sp>
+      <p:sp>
+        <p:nvSpPr>
+          <p:cNvPr id="4" name="Tijdelijke aanduiding voor dianummer 3"/>
+          <p:cNvSpPr>
+            <a:spLocks noGrp="1"/>
+          </p:cNvSpPr>
+          <p:nvPr>
+            <p:ph type="sldNum" sz="quarter" idx="5"/>
+          </p:nvPr>
+        </p:nvSpPr>
+        <p:spPr/>
+        <p:txBody>
+          <a:bodyPr/>
+          <a:lstStyle/>
+          <a:p>
+            <a:fld id="{48959DCC-E34D-4AF6-8A9D-2F2BAA46713F}" type="slidenum">
+              <a:rPr lang="nl-NL" smtClean="0"/>
+              <a:t>5</a:t>
+            </a:fld>
+            <a:endParaRPr lang="nl-NL"/>
+          </a:p>
+        </p:txBody>
+      </p:sp>
+    </p:spTree>
+    <p:extLst>
+      <p:ext uri="{BB962C8B-B14F-4D97-AF65-F5344CB8AC3E}">
+        <p14:creationId xmlns:p14="http://schemas.microsoft.com/office/powerpoint/2010/main" val="1832841955"/>
+      </p:ext>
+    </p:extLst>
+  </p:cSld>
+  <p:clrMapOvr>
+    <a:masterClrMapping/>
+  </p:clrMapOvr>
+</p:notes>
+</file>
+
+<file path=ppt/notesSlides/notesSlide4.xml><?xml version="1.0" encoding="utf-8"?>
+<p:notes xmlns:a="http://schemas.openxmlformats.org/drawingml/2006/main" xmlns:r="http://schemas.openxmlformats.org/officeDocument/2006/relationships" xmlns:p="http://schemas.openxmlformats.org/presentationml/2006/main">
+  <p:cSld>
+    <p:spTree>
+      <p:nvGrpSpPr>
+        <p:cNvPr id="1" name=""/>
+        <p:cNvGrpSpPr/>
+        <p:nvPr/>
+      </p:nvGrpSpPr>
+      <p:grpSpPr>
+        <a:xfrm>
+          <a:off x="0" y="0"/>
+          <a:ext cx="0" cy="0"/>
+          <a:chOff x="0" y="0"/>
+          <a:chExt cx="0" cy="0"/>
+        </a:xfrm>
+      </p:grpSpPr>
+      <p:sp>
+        <p:nvSpPr>
+          <p:cNvPr id="2" name="Tijdelijke aanduiding voor dia-afbeelding 1"/>
+          <p:cNvSpPr>
+            <a:spLocks noGrp="1" noRot="1" noChangeAspect="1"/>
+          </p:cNvSpPr>
+          <p:nvPr>
+            <p:ph type="sldImg"/>
+          </p:nvPr>
+        </p:nvSpPr>
+        <p:spPr/>
+      </p:sp>
+      <p:sp>
+        <p:nvSpPr>
+          <p:cNvPr id="3" name="Tijdelijke aanduiding voor notities 2"/>
+          <p:cNvSpPr>
+            <a:spLocks noGrp="1"/>
+          </p:cNvSpPr>
+          <p:nvPr>
+            <p:ph type="body" idx="1"/>
+          </p:nvPr>
+        </p:nvSpPr>
+        <p:spPr/>
+        <p:txBody>
+          <a:bodyPr/>
+          <a:lstStyle/>
+          <a:p>
+            <a:r>
+              <a:rPr lang="nl-NL"/>
+              <a:t>Dit probleem met adressen komen we in elke dataset tegen. Bv scholen, ziekenhuizen etc. </a:t>
+            </a:r>
+          </a:p>
+        </p:txBody>
+      </p:sp>
+      <p:sp>
+        <p:nvSpPr>
+          <p:cNvPr id="4" name="Tijdelijke aanduiding voor dianummer 3"/>
+          <p:cNvSpPr>
+            <a:spLocks noGrp="1"/>
+          </p:cNvSpPr>
+          <p:nvPr>
+            <p:ph type="sldNum" sz="quarter" idx="5"/>
+          </p:nvPr>
+        </p:nvSpPr>
+        <p:spPr/>
+        <p:txBody>
+          <a:bodyPr/>
+          <a:lstStyle/>
+          <a:p>
+            <a:fld id="{48959DCC-E34D-4AF6-8A9D-2F2BAA46713F}" type="slidenum">
+              <a:rPr lang="nl-NL" smtClean="0"/>
+              <a:t>6</a:t>
+            </a:fld>
+            <a:endParaRPr lang="nl-NL"/>
+          </a:p>
+        </p:txBody>
+      </p:sp>
+    </p:spTree>
+    <p:extLst>
+      <p:ext uri="{BB962C8B-B14F-4D97-AF65-F5344CB8AC3E}">
+        <p14:creationId xmlns:p14="http://schemas.microsoft.com/office/powerpoint/2010/main" val="3902953484"/>
+      </p:ext>
+    </p:extLst>
+  </p:cSld>
+  <p:clrMapOvr>
+    <a:masterClrMapping/>
+  </p:clrMapOvr>
+</p:notes>
+</file>
+
+<file path=ppt/notesSlides/notesSlide5.xml><?xml version="1.0" encoding="utf-8"?>
+<p:notes xmlns:a="http://schemas.openxmlformats.org/drawingml/2006/main" xmlns:r="http://schemas.openxmlformats.org/officeDocument/2006/relationships" xmlns:p="http://schemas.openxmlformats.org/presentationml/2006/main">
+  <p:cSld>
+    <p:spTree>
+      <p:nvGrpSpPr>
+        <p:cNvPr id="1" name=""/>
+        <p:cNvGrpSpPr/>
+        <p:nvPr/>
+      </p:nvGrpSpPr>
+      <p:grpSpPr>
+        <a:xfrm>
+          <a:off x="0" y="0"/>
+          <a:ext cx="0" cy="0"/>
+          <a:chOff x="0" y="0"/>
+          <a:chExt cx="0" cy="0"/>
+        </a:xfrm>
+      </p:grpSpPr>
+      <p:sp>
+        <p:nvSpPr>
+          <p:cNvPr id="2" name="Tijdelijke aanduiding voor dia-afbeelding 1"/>
+          <p:cNvSpPr>
+            <a:spLocks noGrp="1" noRot="1" noChangeAspect="1"/>
+          </p:cNvSpPr>
+          <p:nvPr>
+            <p:ph type="sldImg"/>
+          </p:nvPr>
+        </p:nvSpPr>
+        <p:spPr/>
+      </p:sp>
+      <p:sp>
+        <p:nvSpPr>
+          <p:cNvPr id="3" name="Tijdelijke aanduiding voor notities 2"/>
+          <p:cNvSpPr>
+            <a:spLocks noGrp="1"/>
+          </p:cNvSpPr>
+          <p:nvPr>
+            <p:ph type="body" idx="1"/>
+          </p:nvPr>
+        </p:nvSpPr>
+        <p:spPr/>
+        <p:txBody>
+          <a:bodyPr/>
+          <a:lstStyle/>
+          <a:p>
+            <a:r>
+              <a:rPr lang="nl-NL"/>
+              <a:t>Of andere metadata bv over kwaliteit, actualiteit</a:t>
+            </a:r>
+          </a:p>
+        </p:txBody>
+      </p:sp>
+      <p:sp>
+        <p:nvSpPr>
+          <p:cNvPr id="4" name="Tijdelijke aanduiding voor dianummer 3"/>
+          <p:cNvSpPr>
+            <a:spLocks noGrp="1"/>
+          </p:cNvSpPr>
+          <p:nvPr>
+            <p:ph type="sldNum" sz="quarter" idx="5"/>
+          </p:nvPr>
+        </p:nvSpPr>
+        <p:spPr/>
+        <p:txBody>
+          <a:bodyPr/>
+          <a:lstStyle/>
+          <a:p>
+            <a:fld id="{48959DCC-E34D-4AF6-8A9D-2F2BAA46713F}" type="slidenum">
+              <a:rPr lang="nl-NL" smtClean="0"/>
+              <a:t>7</a:t>
+            </a:fld>
+            <a:endParaRPr lang="nl-NL"/>
+          </a:p>
+        </p:txBody>
+      </p:sp>
+    </p:spTree>
+    <p:extLst>
+      <p:ext uri="{BB962C8B-B14F-4D97-AF65-F5344CB8AC3E}">
+        <p14:creationId xmlns:p14="http://schemas.microsoft.com/office/powerpoint/2010/main" val="1999566543"/>
+      </p:ext>
+    </p:extLst>
+  </p:cSld>
+  <p:clrMapOvr>
+    <a:masterClrMapping/>
+  </p:clrMapOvr>
+</p:notes>
+</file>
+
+<file path=ppt/notesSlides/notesSlide6.xml><?xml version="1.0" encoding="utf-8"?>
+<p:notes xmlns:a="http://schemas.openxmlformats.org/drawingml/2006/main" xmlns:r="http://schemas.openxmlformats.org/officeDocument/2006/relationships" xmlns:p="http://schemas.openxmlformats.org/presentationml/2006/main">
+  <p:cSld>
+    <p:spTree>
+      <p:nvGrpSpPr>
+        <p:cNvPr id="1" name=""/>
+        <p:cNvGrpSpPr/>
+        <p:nvPr/>
+      </p:nvGrpSpPr>
+      <p:grpSpPr>
+        <a:xfrm>
+          <a:off x="0" y="0"/>
+          <a:ext cx="0" cy="0"/>
+          <a:chOff x="0" y="0"/>
+          <a:chExt cx="0" cy="0"/>
+        </a:xfrm>
+      </p:grpSpPr>
+      <p:sp>
+        <p:nvSpPr>
+          <p:cNvPr id="2" name="Tijdelijke aanduiding voor dia-afbeelding 1"/>
+          <p:cNvSpPr>
+            <a:spLocks noGrp="1" noRot="1" noChangeAspect="1"/>
+          </p:cNvSpPr>
+          <p:nvPr>
+            <p:ph type="sldImg"/>
+          </p:nvPr>
+        </p:nvSpPr>
+        <p:spPr/>
+      </p:sp>
+      <p:sp>
+        <p:nvSpPr>
+          <p:cNvPr id="3" name="Tijdelijke aanduiding voor notities 2"/>
+          <p:cNvSpPr>
+            <a:spLocks noGrp="1"/>
+          </p:cNvSpPr>
+          <p:nvPr>
+            <p:ph type="body" idx="1"/>
+          </p:nvPr>
+        </p:nvSpPr>
+        <p:spPr/>
+        <p:txBody>
+          <a:bodyPr/>
+          <a:lstStyle/>
+          <a:p>
+            <a:r>
+              <a:rPr lang="nl-NL"/>
+              <a:t>Kunnen we hier wat getallen aan hangen: bv 1 API koppelen kost 5 uur…. </a:t>
+            </a:r>
+          </a:p>
+          <a:p>
+            <a:r>
+              <a:rPr lang="nl-NL"/>
+              <a:t>Configuratie + extensie stelselcatalogus nu +/- 4000 regels config. </a:t>
+            </a:r>
+          </a:p>
+          <a:p>
+            <a:r>
+              <a:rPr lang="nl-NL"/>
+              <a:t>Onderhoud als een API wijzigt kost ook een paar uur.</a:t>
+            </a:r>
+          </a:p>
+          <a:p>
+            <a:r>
+              <a:rPr lang="nl-NL"/>
+              <a:t>Vergelijking met linked data: daar heb je een eenmalige omzetting en automatische updates (waar je ook wel onderhoud aan hebt)</a:t>
+            </a:r>
+          </a:p>
+          <a:p>
+            <a:r>
+              <a:rPr lang="nl-NL"/>
+              <a:t>Een ander punt is dat een semantische laag die je op deze manier bouwt, eigen interpretatie bevat, want de semantiek van de data in de API zelf is vaak niet bekend.</a:t>
+            </a:r>
+          </a:p>
+        </p:txBody>
+      </p:sp>
+      <p:sp>
+        <p:nvSpPr>
+          <p:cNvPr id="4" name="Tijdelijke aanduiding voor dianummer 3"/>
+          <p:cNvSpPr>
+            <a:spLocks noGrp="1"/>
+          </p:cNvSpPr>
+          <p:nvPr>
+            <p:ph type="sldNum" sz="quarter" idx="5"/>
+          </p:nvPr>
+        </p:nvSpPr>
+        <p:spPr/>
+        <p:txBody>
+          <a:bodyPr/>
+          <a:lstStyle/>
+          <a:p>
+            <a:fld id="{48959DCC-E34D-4AF6-8A9D-2F2BAA46713F}" type="slidenum">
+              <a:rPr lang="nl-NL" smtClean="0"/>
+              <a:t>8</a:t>
+            </a:fld>
+            <a:endParaRPr lang="nl-NL"/>
+          </a:p>
+        </p:txBody>
+      </p:sp>
+    </p:spTree>
+    <p:extLst>
+      <p:ext uri="{BB962C8B-B14F-4D97-AF65-F5344CB8AC3E}">
+        <p14:creationId xmlns:p14="http://schemas.microsoft.com/office/powerpoint/2010/main" val="990192280"/>
+      </p:ext>
+    </p:extLst>
+  </p:cSld>
+  <p:clrMapOvr>
+    <a:masterClrMapping/>
+  </p:clrMapOvr>
+</p:notes>
+</file>
+
+<file path=ppt/notesSlides/notesSlide7.xml><?xml version="1.0" encoding="utf-8"?>
+<p:notes xmlns:a="http://schemas.openxmlformats.org/drawingml/2006/main" xmlns:r="http://schemas.openxmlformats.org/officeDocument/2006/relationships" xmlns:p="http://schemas.openxmlformats.org/presentationml/2006/main">
+  <p:cSld>
+    <p:spTree>
+      <p:nvGrpSpPr>
+        <p:cNvPr id="1" name=""/>
+        <p:cNvGrpSpPr/>
+        <p:nvPr/>
+      </p:nvGrpSpPr>
+      <p:grpSpPr>
+        <a:xfrm>
+          <a:off x="0" y="0"/>
+          <a:ext cx="0" cy="0"/>
+          <a:chOff x="0" y="0"/>
+          <a:chExt cx="0" cy="0"/>
+        </a:xfrm>
+      </p:grpSpPr>
+      <p:sp>
+        <p:nvSpPr>
+          <p:cNvPr id="2" name="Tijdelijke aanduiding voor dia-afbeelding 1"/>
+          <p:cNvSpPr>
+            <a:spLocks noGrp="1" noRot="1" noChangeAspect="1"/>
+          </p:cNvSpPr>
+          <p:nvPr>
+            <p:ph type="sldImg"/>
+          </p:nvPr>
+        </p:nvSpPr>
+        <p:spPr/>
+      </p:sp>
+      <p:sp>
+        <p:nvSpPr>
+          <p:cNvPr id="3" name="Tijdelijke aanduiding voor notities 2"/>
+          <p:cNvSpPr>
+            <a:spLocks noGrp="1"/>
+          </p:cNvSpPr>
+          <p:nvPr>
+            <p:ph type="body" idx="1"/>
+          </p:nvPr>
+        </p:nvSpPr>
+        <p:spPr/>
+        <p:txBody>
+          <a:bodyPr/>
+          <a:lstStyle/>
+          <a:p>
+            <a:endParaRPr lang="nl-NL"/>
+          </a:p>
+        </p:txBody>
+      </p:sp>
+      <p:sp>
+        <p:nvSpPr>
+          <p:cNvPr id="4" name="Tijdelijke aanduiding voor dianummer 3"/>
+          <p:cNvSpPr>
+            <a:spLocks noGrp="1"/>
+          </p:cNvSpPr>
+          <p:nvPr>
+            <p:ph type="sldNum" sz="quarter" idx="5"/>
+          </p:nvPr>
+        </p:nvSpPr>
+        <p:spPr/>
+        <p:txBody>
+          <a:bodyPr/>
+          <a:lstStyle/>
+          <a:p>
+            <a:fld id="{48959DCC-E34D-4AF6-8A9D-2F2BAA46713F}" type="slidenum">
+              <a:rPr lang="nl-NL" smtClean="0"/>
+              <a:t>11</a:t>
+            </a:fld>
+            <a:endParaRPr lang="nl-NL"/>
+          </a:p>
+        </p:txBody>
+      </p:sp>
+    </p:spTree>
+    <p:extLst>
+      <p:ext uri="{BB962C8B-B14F-4D97-AF65-F5344CB8AC3E}">
+        <p14:creationId xmlns:p14="http://schemas.microsoft.com/office/powerpoint/2010/main" val="3811384116"/>
+      </p:ext>
+    </p:extLst>
+  </p:cSld>
+  <p:clrMapOvr>
+    <a:masterClrMapping/>
+  </p:clrMapOvr>
+</p:notes>
+</file>
+
+<file path=ppt/notesSlides/notesSlide8.xml><?xml version="1.0" encoding="utf-8"?>
+<p:notes xmlns:a="http://schemas.openxmlformats.org/drawingml/2006/main" xmlns:r="http://schemas.openxmlformats.org/officeDocument/2006/relationships" xmlns:p="http://schemas.openxmlformats.org/presentationml/2006/main">
+  <p:cSld>
+    <p:spTree>
+      <p:nvGrpSpPr>
+        <p:cNvPr id="1" name=""/>
+        <p:cNvGrpSpPr/>
+        <p:nvPr/>
+      </p:nvGrpSpPr>
+      <p:grpSpPr>
+        <a:xfrm>
+          <a:off x="0" y="0"/>
+          <a:ext cx="0" cy="0"/>
+          <a:chOff x="0" y="0"/>
+          <a:chExt cx="0" cy="0"/>
+        </a:xfrm>
+      </p:grpSpPr>
+      <p:sp>
+        <p:nvSpPr>
+          <p:cNvPr id="2" name="Tijdelijke aanduiding voor dia-afbeelding 1"/>
+          <p:cNvSpPr>
+            <a:spLocks noGrp="1" noRot="1" noChangeAspect="1"/>
+          </p:cNvSpPr>
+          <p:nvPr>
+            <p:ph type="sldImg"/>
+          </p:nvPr>
+        </p:nvSpPr>
+        <p:spPr/>
+      </p:sp>
+      <p:sp>
+        <p:nvSpPr>
+          <p:cNvPr id="3" name="Tijdelijke aanduiding voor notities 2"/>
+          <p:cNvSpPr>
+            <a:spLocks noGrp="1"/>
+          </p:cNvSpPr>
+          <p:nvPr>
+            <p:ph type="body" idx="1"/>
+          </p:nvPr>
+        </p:nvSpPr>
+        <p:spPr/>
+        <p:txBody>
+          <a:bodyPr/>
+          <a:lstStyle/>
+          <a:p>
+            <a:pPr marL="0" marR="0" lvl="0" indent="0" algn="l" defTabSz="914400" rtl="0" eaLnBrk="1" fontAlgn="auto" latinLnBrk="0" hangingPunct="1">
+              <a:lnSpc>
+                <a:spcPct val="100000"/>
+              </a:lnSpc>
+              <a:spcBef>
+                <a:spcPts val="0"/>
+              </a:spcBef>
+              <a:spcAft>
+                <a:spcPts val="0"/>
+              </a:spcAft>
+              <a:buClrTx/>
+              <a:buSzTx/>
+              <a:buFontTx/>
+              <a:buNone/>
+              <a:tabLst/>
+              <a:defRPr/>
+            </a:pPr>
+            <a:r>
+              <a:rPr lang="nl-NL"/>
+              <a:t>Idee is om relaties te standaardiseren voor de referentie naar data uit basisregistraties. Zodat je kan zien naar welke registratie je verwijst en naar wat voor soort ding. </a:t>
+            </a:r>
+          </a:p>
+          <a:p>
+            <a:endParaRPr lang="nl-NL"/>
+          </a:p>
+        </p:txBody>
+      </p:sp>
+      <p:sp>
+        <p:nvSpPr>
+          <p:cNvPr id="4" name="Tijdelijke aanduiding voor dianummer 3"/>
+          <p:cNvSpPr>
+            <a:spLocks noGrp="1"/>
+          </p:cNvSpPr>
+          <p:nvPr>
+            <p:ph type="sldNum" sz="quarter" idx="5"/>
+          </p:nvPr>
+        </p:nvSpPr>
+        <p:spPr/>
+        <p:txBody>
+          <a:bodyPr/>
+          <a:lstStyle/>
+          <a:p>
+            <a:fld id="{48959DCC-E34D-4AF6-8A9D-2F2BAA46713F}" type="slidenum">
+              <a:rPr lang="nl-NL" smtClean="0"/>
+              <a:t>12</a:t>
+            </a:fld>
+            <a:endParaRPr lang="nl-NL"/>
+          </a:p>
+        </p:txBody>
+      </p:sp>
+    </p:spTree>
+    <p:extLst>
+      <p:ext uri="{BB962C8B-B14F-4D97-AF65-F5344CB8AC3E}">
+        <p14:creationId xmlns:p14="http://schemas.microsoft.com/office/powerpoint/2010/main" val="4059369079"/>
+      </p:ext>
+    </p:extLst>
+  </p:cSld>
+  <p:clrMapOvr>
+    <a:masterClrMapping/>
+  </p:clrMapOvr>
+</p:notes>
 </file>
 
 <file path=ppt/slideLayouts/slideLayout1.xml><?xml version="1.0" encoding="utf-8"?>
@@ -265,7 +1361,7 @@
           <a:p>
             <a:fld id="{45EA7B53-1E99-47A7-A8E3-90BCF7392856}" type="datetimeFigureOut">
               <a:rPr lang="nl-NL" smtClean="0"/>
-              <a:t>10-12-2019</a:t>
+              <a:t>11-12-2019</a:t>
             </a:fld>
             <a:endParaRPr lang="nl-NL"/>
           </a:p>
@@ -463,7 +1559,7 @@
           <a:p>
             <a:fld id="{45EA7B53-1E99-47A7-A8E3-90BCF7392856}" type="datetimeFigureOut">
               <a:rPr lang="nl-NL" smtClean="0"/>
-              <a:t>10-12-2019</a:t>
+              <a:t>11-12-2019</a:t>
             </a:fld>
             <a:endParaRPr lang="nl-NL"/>
           </a:p>
@@ -671,7 +1767,7 @@
           <a:p>
             <a:fld id="{45EA7B53-1E99-47A7-A8E3-90BCF7392856}" type="datetimeFigureOut">
               <a:rPr lang="nl-NL" smtClean="0"/>
-              <a:t>10-12-2019</a:t>
+              <a:t>11-12-2019</a:t>
             </a:fld>
             <a:endParaRPr lang="nl-NL"/>
           </a:p>
@@ -869,7 +1965,7 @@
           <a:p>
             <a:fld id="{45EA7B53-1E99-47A7-A8E3-90BCF7392856}" type="datetimeFigureOut">
               <a:rPr lang="nl-NL" smtClean="0"/>
-              <a:t>10-12-2019</a:t>
+              <a:t>11-12-2019</a:t>
             </a:fld>
             <a:endParaRPr lang="nl-NL"/>
           </a:p>
@@ -1144,7 +2240,7 @@
           <a:p>
             <a:fld id="{45EA7B53-1E99-47A7-A8E3-90BCF7392856}" type="datetimeFigureOut">
               <a:rPr lang="nl-NL" smtClean="0"/>
-              <a:t>10-12-2019</a:t>
+              <a:t>11-12-2019</a:t>
             </a:fld>
             <a:endParaRPr lang="nl-NL"/>
           </a:p>
@@ -1409,7 +2505,7 @@
           <a:p>
             <a:fld id="{45EA7B53-1E99-47A7-A8E3-90BCF7392856}" type="datetimeFigureOut">
               <a:rPr lang="nl-NL" smtClean="0"/>
-              <a:t>10-12-2019</a:t>
+              <a:t>11-12-2019</a:t>
             </a:fld>
             <a:endParaRPr lang="nl-NL"/>
           </a:p>
@@ -1821,7 +2917,7 @@
           <a:p>
             <a:fld id="{45EA7B53-1E99-47A7-A8E3-90BCF7392856}" type="datetimeFigureOut">
               <a:rPr lang="nl-NL" smtClean="0"/>
-              <a:t>10-12-2019</a:t>
+              <a:t>11-12-2019</a:t>
             </a:fld>
             <a:endParaRPr lang="nl-NL"/>
           </a:p>
@@ -1962,7 +3058,7 @@
           <a:p>
             <a:fld id="{45EA7B53-1E99-47A7-A8E3-90BCF7392856}" type="datetimeFigureOut">
               <a:rPr lang="nl-NL" smtClean="0"/>
-              <a:t>10-12-2019</a:t>
+              <a:t>11-12-2019</a:t>
             </a:fld>
             <a:endParaRPr lang="nl-NL"/>
           </a:p>
@@ -2075,7 +3171,7 @@
           <a:p>
             <a:fld id="{45EA7B53-1E99-47A7-A8E3-90BCF7392856}" type="datetimeFigureOut">
               <a:rPr lang="nl-NL" smtClean="0"/>
-              <a:t>10-12-2019</a:t>
+              <a:t>11-12-2019</a:t>
             </a:fld>
             <a:endParaRPr lang="nl-NL"/>
           </a:p>
@@ -2386,7 +3482,7 @@
           <a:p>
             <a:fld id="{45EA7B53-1E99-47A7-A8E3-90BCF7392856}" type="datetimeFigureOut">
               <a:rPr lang="nl-NL" smtClean="0"/>
-              <a:t>10-12-2019</a:t>
+              <a:t>11-12-2019</a:t>
             </a:fld>
             <a:endParaRPr lang="nl-NL"/>
           </a:p>
@@ -2674,7 +3770,7 @@
           <a:p>
             <a:fld id="{45EA7B53-1E99-47A7-A8E3-90BCF7392856}" type="datetimeFigureOut">
               <a:rPr lang="nl-NL" smtClean="0"/>
-              <a:t>10-12-2019</a:t>
+              <a:t>11-12-2019</a:t>
             </a:fld>
             <a:endParaRPr lang="nl-NL"/>
           </a:p>
@@ -2915,7 +4011,7 @@
           <a:p>
             <a:fld id="{45EA7B53-1E99-47A7-A8E3-90BCF7392856}" type="datetimeFigureOut">
               <a:rPr lang="nl-NL" smtClean="0"/>
-              <a:t>10-12-2019</a:t>
+              <a:t>11-12-2019</a:t>
             </a:fld>
             <a:endParaRPr lang="nl-NL"/>
           </a:p>
@@ -3443,6 +4539,169 @@
           <p:cNvPr id="2" name="Titel 1">
             <a:extLst>
               <a:ext uri="{FF2B5EF4-FFF2-40B4-BE49-F238E27FC236}">
+                <a16:creationId xmlns:a16="http://schemas.microsoft.com/office/drawing/2014/main" id="{3336B3F2-D0A5-45ED-A1AB-DA62287AC840}"/>
+              </a:ext>
+            </a:extLst>
+          </p:cNvPr>
+          <p:cNvSpPr>
+            <a:spLocks noGrp="1"/>
+          </p:cNvSpPr>
+          <p:nvPr>
+            <p:ph type="title"/>
+          </p:nvPr>
+        </p:nvSpPr>
+        <p:spPr/>
+        <p:txBody>
+          <a:bodyPr/>
+          <a:lstStyle/>
+          <a:p>
+            <a:r>
+              <a:rPr lang="nl-NL"/>
+              <a:t>Semantische laag (1)</a:t>
+            </a:r>
+          </a:p>
+        </p:txBody>
+      </p:sp>
+      <p:sp>
+        <p:nvSpPr>
+          <p:cNvPr id="3" name="Tijdelijke aanduiding voor inhoud 2">
+            <a:extLst>
+              <a:ext uri="{FF2B5EF4-FFF2-40B4-BE49-F238E27FC236}">
+                <a16:creationId xmlns:a16="http://schemas.microsoft.com/office/drawing/2014/main" id="{155DB387-DE85-4C20-8122-AAF1A053234D}"/>
+              </a:ext>
+            </a:extLst>
+          </p:cNvPr>
+          <p:cNvSpPr>
+            <a:spLocks noGrp="1"/>
+          </p:cNvSpPr>
+          <p:nvPr>
+            <p:ph idx="1"/>
+          </p:nvPr>
+        </p:nvSpPr>
+        <p:spPr/>
+        <p:txBody>
+          <a:bodyPr>
+            <a:normAutofit fontScale="85000" lnSpcReduction="20000"/>
+          </a:bodyPr>
+          <a:lstStyle/>
+          <a:p>
+            <a:pPr marL="0" indent="0">
+              <a:lnSpc>
+                <a:spcPct val="120000"/>
+              </a:lnSpc>
+              <a:buNone/>
+            </a:pPr>
+            <a:r>
+              <a:rPr lang="nl-NL"/>
+              <a:t>De semantische laag moet </a:t>
+            </a:r>
+            <a:r>
+              <a:rPr lang="nl-NL" b="1"/>
+              <a:t>het geheel aan kennis</a:t>
+            </a:r>
+            <a:r>
+              <a:rPr lang="nl-NL"/>
+              <a:t> bevatten dat je wilt bevragen. Wie een bredere vraag wil stellen, moet eerst een stukje aan de semantische laag toevoegen. </a:t>
+            </a:r>
+          </a:p>
+          <a:p>
+            <a:pPr marL="0" indent="0">
+              <a:buNone/>
+            </a:pPr>
+            <a:endParaRPr lang="nl-NL"/>
+          </a:p>
+          <a:p>
+            <a:pPr marL="0" indent="0">
+              <a:buNone/>
+            </a:pPr>
+            <a:r>
+              <a:rPr lang="nl-NL"/>
+              <a:t>“het geheel aan kennis” bestaat in dit geval uit </a:t>
+            </a:r>
+          </a:p>
+          <a:p>
+            <a:pPr lvl="0"/>
+            <a:r>
+              <a:rPr lang="nl-NL"/>
+              <a:t>Basisregistraties</a:t>
+            </a:r>
+          </a:p>
+          <a:p>
+            <a:pPr lvl="0"/>
+            <a:r>
+              <a:rPr lang="nl-NL"/>
+              <a:t>Andere overheidsdatasets</a:t>
+            </a:r>
+          </a:p>
+          <a:p>
+            <a:pPr lvl="0"/>
+            <a:r>
+              <a:rPr lang="nl-NL"/>
+              <a:t>Vrije datasets</a:t>
+            </a:r>
+          </a:p>
+          <a:p>
+            <a:pPr lvl="0"/>
+            <a:endParaRPr lang="nl-NL"/>
+          </a:p>
+          <a:p>
+            <a:pPr marL="0" lvl="0" indent="0">
+              <a:lnSpc>
+                <a:spcPct val="120000"/>
+              </a:lnSpc>
+              <a:buNone/>
+            </a:pPr>
+            <a:r>
+              <a:rPr lang="nl-NL"/>
+              <a:t>Dus … een open wereld. Het geheel aan kennis beschrijven is niet mogelijk! De semantische orchestratielaag moet daarmee uitbreidbaar zijn.</a:t>
+            </a:r>
+          </a:p>
+          <a:p>
+            <a:pPr marL="0" indent="0">
+              <a:buNone/>
+            </a:pPr>
+            <a:endParaRPr lang="nl-NL"/>
+          </a:p>
+          <a:p>
+            <a:endParaRPr lang="nl-NL"/>
+          </a:p>
+        </p:txBody>
+      </p:sp>
+    </p:spTree>
+    <p:extLst>
+      <p:ext uri="{BB962C8B-B14F-4D97-AF65-F5344CB8AC3E}">
+        <p14:creationId xmlns:p14="http://schemas.microsoft.com/office/powerpoint/2010/main" val="2447803394"/>
+      </p:ext>
+    </p:extLst>
+  </p:cSld>
+  <p:clrMapOvr>
+    <a:masterClrMapping/>
+  </p:clrMapOvr>
+</p:sld>
+</file>
+
+<file path=ppt/slides/slide11.xml><?xml version="1.0" encoding="utf-8"?>
+<p:sld xmlns:a="http://schemas.openxmlformats.org/drawingml/2006/main" xmlns:r="http://schemas.openxmlformats.org/officeDocument/2006/relationships" xmlns:p="http://schemas.openxmlformats.org/presentationml/2006/main">
+  <p:cSld>
+    <p:spTree>
+      <p:nvGrpSpPr>
+        <p:cNvPr id="1" name=""/>
+        <p:cNvGrpSpPr/>
+        <p:nvPr/>
+      </p:nvGrpSpPr>
+      <p:grpSpPr>
+        <a:xfrm>
+          <a:off x="0" y="0"/>
+          <a:ext cx="0" cy="0"/>
+          <a:chOff x="0" y="0"/>
+          <a:chExt cx="0" cy="0"/>
+        </a:xfrm>
+      </p:grpSpPr>
+      <p:sp>
+        <p:nvSpPr>
+          <p:cNvPr id="2" name="Titel 1">
+            <a:extLst>
+              <a:ext uri="{FF2B5EF4-FFF2-40B4-BE49-F238E27FC236}">
                 <a16:creationId xmlns:a16="http://schemas.microsoft.com/office/drawing/2014/main" id="{FC26135D-164E-4249-AA04-4D3D248F0EF1}"/>
               </a:ext>
             </a:extLst>
@@ -3556,7 +4815,7 @@
 </p:sld>
 </file>
 
-<file path=ppt/slides/slide11.xml><?xml version="1.0" encoding="utf-8"?>
+<file path=ppt/slides/slide12.xml><?xml version="1.0" encoding="utf-8"?>
 <p:sld xmlns:a="http://schemas.openxmlformats.org/drawingml/2006/main" xmlns:r="http://schemas.openxmlformats.org/officeDocument/2006/relationships" xmlns:p="http://schemas.openxmlformats.org/presentationml/2006/main">
   <p:cSld>
     <p:spTree>
@@ -3861,7 +5120,7 @@
 </p:sld>
 </file>
 
-<file path=ppt/slides/slide12.xml><?xml version="1.0" encoding="utf-8"?>
+<file path=ppt/slides/slide13.xml><?xml version="1.0" encoding="utf-8"?>
 <p:sld xmlns:a="http://schemas.openxmlformats.org/drawingml/2006/main" xmlns:r="http://schemas.openxmlformats.org/officeDocument/2006/relationships" xmlns:p="http://schemas.openxmlformats.org/presentationml/2006/main">
   <p:cSld>
     <p:spTree>
@@ -3922,10 +5181,15 @@
             <p:ph idx="1"/>
           </p:nvPr>
         </p:nvSpPr>
-        <p:spPr/>
+        <p:spPr>
+          <a:xfrm>
+            <a:off x="601133" y="1690688"/>
+            <a:ext cx="10515600" cy="4351338"/>
+          </a:xfrm>
+        </p:spPr>
         <p:txBody>
           <a:bodyPr>
-            <a:normAutofit fontScale="92500" lnSpcReduction="10000"/>
+            <a:normAutofit/>
           </a:bodyPr>
           <a:lstStyle/>
           <a:p>
@@ -3980,24 +5244,6 @@
               <a:buNone/>
             </a:pPr>
             <a:endParaRPr lang="nl-NL"/>
-          </a:p>
-          <a:p>
-            <a:pPr marL="0" indent="0">
-              <a:buNone/>
-            </a:pPr>
-            <a:r>
-              <a:rPr lang="nl-NL"/>
-              <a:t>Wie is verantwoordelijk voor het toevoegen en beheren van deze links? </a:t>
-            </a:r>
-          </a:p>
-          <a:p>
-            <a:pPr marL="0" indent="0">
-              <a:buNone/>
-            </a:pPr>
-            <a:r>
-              <a:rPr lang="nl-NL"/>
-              <a:t>Deze verantwoordelijkheid wordt nu nog niet gevoeld…</a:t>
-            </a:r>
           </a:p>
         </p:txBody>
       </p:sp>
@@ -4005,6 +5251,119 @@
     <p:extLst>
       <p:ext uri="{BB962C8B-B14F-4D97-AF65-F5344CB8AC3E}">
         <p14:creationId xmlns:p14="http://schemas.microsoft.com/office/powerpoint/2010/main" val="1351085946"/>
+      </p:ext>
+    </p:extLst>
+  </p:cSld>
+  <p:clrMapOvr>
+    <a:masterClrMapping/>
+  </p:clrMapOvr>
+</p:sld>
+</file>
+
+<file path=ppt/slides/slide14.xml><?xml version="1.0" encoding="utf-8"?>
+<p:sld xmlns:a="http://schemas.openxmlformats.org/drawingml/2006/main" xmlns:r="http://schemas.openxmlformats.org/officeDocument/2006/relationships" xmlns:p="http://schemas.openxmlformats.org/presentationml/2006/main">
+  <p:cSld>
+    <p:spTree>
+      <p:nvGrpSpPr>
+        <p:cNvPr id="1" name=""/>
+        <p:cNvGrpSpPr/>
+        <p:nvPr/>
+      </p:nvGrpSpPr>
+      <p:grpSpPr>
+        <a:xfrm>
+          <a:off x="0" y="0"/>
+          <a:ext cx="0" cy="0"/>
+          <a:chOff x="0" y="0"/>
+          <a:chExt cx="0" cy="0"/>
+        </a:xfrm>
+      </p:grpSpPr>
+      <p:sp>
+        <p:nvSpPr>
+          <p:cNvPr id="2" name="Titel 1">
+            <a:extLst>
+              <a:ext uri="{FF2B5EF4-FFF2-40B4-BE49-F238E27FC236}">
+                <a16:creationId xmlns:a16="http://schemas.microsoft.com/office/drawing/2014/main" id="{E4F75E77-EE52-4654-9E43-6FE8D5E7C69E}"/>
+              </a:ext>
+            </a:extLst>
+          </p:cNvPr>
+          <p:cNvSpPr>
+            <a:spLocks noGrp="1"/>
+          </p:cNvSpPr>
+          <p:nvPr>
+            <p:ph type="title"/>
+          </p:nvPr>
+        </p:nvSpPr>
+        <p:spPr/>
+        <p:txBody>
+          <a:bodyPr/>
+          <a:lstStyle/>
+          <a:p>
+            <a:r>
+              <a:rPr lang="nl-NL"/>
+              <a:t>Governance op het snijvlak</a:t>
+            </a:r>
+          </a:p>
+        </p:txBody>
+      </p:sp>
+      <p:sp>
+        <p:nvSpPr>
+          <p:cNvPr id="3" name="Tijdelijke aanduiding voor inhoud 2">
+            <a:extLst>
+              <a:ext uri="{FF2B5EF4-FFF2-40B4-BE49-F238E27FC236}">
+                <a16:creationId xmlns:a16="http://schemas.microsoft.com/office/drawing/2014/main" id="{1CAE311E-D094-4791-9E36-155798F6F7A9}"/>
+              </a:ext>
+            </a:extLst>
+          </p:cNvPr>
+          <p:cNvSpPr>
+            <a:spLocks noGrp="1"/>
+          </p:cNvSpPr>
+          <p:nvPr>
+            <p:ph idx="1"/>
+          </p:nvPr>
+        </p:nvSpPr>
+        <p:spPr/>
+        <p:txBody>
+          <a:bodyPr/>
+          <a:lstStyle/>
+          <a:p>
+            <a:pPr marL="0" indent="0">
+              <a:buNone/>
+            </a:pPr>
+            <a:r>
+              <a:rPr lang="nl-NL"/>
+              <a:t>Wie is verantwoordelijk voor het toevoegen en beheren van de links tussen datasets? </a:t>
+            </a:r>
+          </a:p>
+          <a:p>
+            <a:pPr marL="0" indent="0">
+              <a:buNone/>
+            </a:pPr>
+            <a:r>
+              <a:rPr lang="nl-NL"/>
+              <a:t>Deze zijn basisvoorwaarde voor samenhang.</a:t>
+            </a:r>
+          </a:p>
+          <a:p>
+            <a:pPr marL="0" indent="0">
+              <a:buNone/>
+            </a:pPr>
+            <a:r>
+              <a:rPr lang="nl-NL"/>
+              <a:t>Deze verantwoordelijkheid wordt nu nog niet gevoeld…</a:t>
+            </a:r>
+          </a:p>
+          <a:p>
+            <a:pPr marL="0" indent="0">
+              <a:buNone/>
+            </a:pPr>
+            <a:endParaRPr lang="nl-NL"/>
+          </a:p>
+        </p:txBody>
+      </p:sp>
+    </p:spTree>
+    <p:extLst>
+      <p:ext uri="{BB962C8B-B14F-4D97-AF65-F5344CB8AC3E}">
+        <p14:creationId xmlns:p14="http://schemas.microsoft.com/office/powerpoint/2010/main" val="2712908308"/>
       </p:ext>
     </p:extLst>
   </p:cSld>
@@ -5462,7 +6821,7 @@
           <p:cNvPr id="2" name="Titel 1">
             <a:extLst>
               <a:ext uri="{FF2B5EF4-FFF2-40B4-BE49-F238E27FC236}">
-                <a16:creationId xmlns:a16="http://schemas.microsoft.com/office/drawing/2014/main" id="{3336B3F2-D0A5-45ED-A1AB-DA62287AC840}"/>
+                <a16:creationId xmlns:a16="http://schemas.microsoft.com/office/drawing/2014/main" id="{7E67680A-5E53-41A1-967B-28BC998EA36F}"/>
               </a:ext>
             </a:extLst>
           </p:cNvPr>
@@ -5480,7 +6839,7 @@
           <a:p>
             <a:r>
               <a:rPr lang="nl-NL"/>
-              <a:t>Semantische laag (1)</a:t>
+              <a:t>performance</a:t>
             </a:r>
           </a:p>
         </p:txBody>
@@ -5490,7 +6849,7 @@
           <p:cNvPr id="3" name="Tijdelijke aanduiding voor inhoud 2">
             <a:extLst>
               <a:ext uri="{FF2B5EF4-FFF2-40B4-BE49-F238E27FC236}">
-                <a16:creationId xmlns:a16="http://schemas.microsoft.com/office/drawing/2014/main" id="{155DB387-DE85-4C20-8122-AAF1A053234D}"/>
+                <a16:creationId xmlns:a16="http://schemas.microsoft.com/office/drawing/2014/main" id="{29329754-5F05-4B95-9B12-214A1FE40023}"/>
               </a:ext>
             </a:extLst>
           </p:cNvPr>
@@ -5503,97 +6862,26 @@
         </p:nvSpPr>
         <p:spPr/>
         <p:txBody>
-          <a:bodyPr>
-            <a:normAutofit fontScale="85000" lnSpcReduction="20000"/>
-          </a:bodyPr>
-          <a:lstStyle/>
-          <a:p>
-            <a:pPr marL="0" indent="0">
-              <a:lnSpc>
-                <a:spcPct val="120000"/>
-              </a:lnSpc>
-              <a:buNone/>
-            </a:pPr>
-            <a:r>
-              <a:rPr lang="nl-NL"/>
-              <a:t>De semantische laag moet </a:t>
-            </a:r>
-            <a:r>
-              <a:rPr lang="nl-NL" b="1"/>
-              <a:t>het geheel aan kennis</a:t>
-            </a:r>
-            <a:r>
-              <a:rPr lang="nl-NL"/>
-              <a:t> bevatten dat je wilt bevragen. Wie een bredere vraag wil stellen, moet eerst een stukje aan de semantische laag toevoegen. </a:t>
-            </a:r>
-          </a:p>
-          <a:p>
-            <a:pPr marL="0" indent="0">
-              <a:buNone/>
-            </a:pPr>
-            <a:endParaRPr lang="nl-NL"/>
-          </a:p>
-          <a:p>
-            <a:pPr marL="0" indent="0">
-              <a:buNone/>
-            </a:pPr>
-            <a:r>
-              <a:rPr lang="nl-NL"/>
-              <a:t>“het geheel aan kennis” bestaat in dit geval uit </a:t>
-            </a:r>
-          </a:p>
-          <a:p>
-            <a:pPr lvl="0"/>
-            <a:r>
-              <a:rPr lang="nl-NL"/>
-              <a:t>Basisregistraties</a:t>
-            </a:r>
-          </a:p>
-          <a:p>
-            <a:pPr lvl="0"/>
-            <a:r>
-              <a:rPr lang="nl-NL"/>
-              <a:t>Andere overheidsdatasets</a:t>
-            </a:r>
-          </a:p>
-          <a:p>
-            <a:pPr lvl="0"/>
-            <a:r>
-              <a:rPr lang="nl-NL"/>
-              <a:t>Vrije datasets</a:t>
-            </a:r>
-          </a:p>
-          <a:p>
-            <a:pPr lvl="0"/>
-            <a:endParaRPr lang="nl-NL"/>
-          </a:p>
-          <a:p>
-            <a:pPr marL="0" lvl="0" indent="0">
-              <a:lnSpc>
-                <a:spcPct val="120000"/>
-              </a:lnSpc>
-              <a:buNone/>
-            </a:pPr>
-            <a:r>
-              <a:rPr lang="nl-NL"/>
-              <a:t>Dus … een open wereld. Het geheel aan kennis beschrijven is niet mogelijk! De semantische orchestratielaag moet daarmee uitbreidbaar zijn.</a:t>
-            </a:r>
-          </a:p>
-          <a:p>
-            <a:pPr marL="0" indent="0">
-              <a:buNone/>
-            </a:pPr>
-            <a:endParaRPr lang="nl-NL"/>
-          </a:p>
-          <a:p>
-            <a:endParaRPr lang="nl-NL"/>
+          <a:bodyPr/>
+          <a:lstStyle/>
+          <a:p>
+            <a:r>
+              <a:rPr lang="nl-NL"/>
+              <a:t>Een interessant scenario kan zijn om knowledge graphs ook ter download aan te bieden. Om ingewikkelde vragen lokaal te kunnen stellen zonder een endpoint omver te trekken.</a:t>
+            </a:r>
+          </a:p>
+          <a:p>
+            <a:r>
+              <a:rPr lang="nl-NL"/>
+              <a:t>Maar ook om privacy van vraagstellers te waarborgen, dat je niet kan achterhalen wat ze vragen.</a:t>
+            </a:r>
           </a:p>
         </p:txBody>
       </p:sp>
     </p:spTree>
     <p:extLst>
       <p:ext uri="{BB962C8B-B14F-4D97-AF65-F5344CB8AC3E}">
-        <p14:creationId xmlns:p14="http://schemas.microsoft.com/office/powerpoint/2010/main" val="2447803394"/>
+        <p14:creationId xmlns:p14="http://schemas.microsoft.com/office/powerpoint/2010/main" val="2453044086"/>
       </p:ext>
     </p:extLst>
   </p:cSld>
@@ -5896,4 +7184,299 @@
     </a:ext>
   </a:extLst>
 </a:theme>
+</file>
+
+<file path=ppt/theme/theme2.xml><?xml version="1.0" encoding="utf-8"?>
+<a:theme xmlns:a="http://schemas.openxmlformats.org/drawingml/2006/main" name="Kantoorthema">
+  <a:themeElements>
+    <a:clrScheme name="Office">
+      <a:dk1>
+        <a:sysClr val="windowText" lastClr="000000"/>
+      </a:dk1>
+      <a:lt1>
+        <a:sysClr val="window" lastClr="FFFFFF"/>
+      </a:lt1>
+      <a:dk2>
+        <a:srgbClr val="44546A"/>
+      </a:dk2>
+      <a:lt2>
+        <a:srgbClr val="E7E6E6"/>
+      </a:lt2>
+      <a:accent1>
+        <a:srgbClr val="4472C4"/>
+      </a:accent1>
+      <a:accent2>
+        <a:srgbClr val="ED7D31"/>
+      </a:accent2>
+      <a:accent3>
+        <a:srgbClr val="A5A5A5"/>
+      </a:accent3>
+      <a:accent4>
+        <a:srgbClr val="FFC000"/>
+      </a:accent4>
+      <a:accent5>
+        <a:srgbClr val="5B9BD5"/>
+      </a:accent5>
+      <a:accent6>
+        <a:srgbClr val="70AD47"/>
+      </a:accent6>
+      <a:hlink>
+        <a:srgbClr val="0563C1"/>
+      </a:hlink>
+      <a:folHlink>
+        <a:srgbClr val="954F72"/>
+      </a:folHlink>
+    </a:clrScheme>
+    <a:fontScheme name="Office">
+      <a:majorFont>
+        <a:latin typeface="Calibri Light" panose="020F0302020204030204"/>
+        <a:ea typeface=""/>
+        <a:cs typeface=""/>
+        <a:font script="Jpan" typeface="游ゴシック Light"/>
+        <a:font script="Hang" typeface="맑은 고딕"/>
+        <a:font script="Hans" typeface="等线 Light"/>
+        <a:font script="Hant" typeface="新細明體"/>
+        <a:font script="Arab" typeface="Times New Roman"/>
+        <a:font script="Hebr" typeface="Times New Roman"/>
+        <a:font script="Thai" typeface="Angsana New"/>
+        <a:font script="Ethi" typeface="Nyala"/>
+        <a:font script="Beng" typeface="Vrinda"/>
+        <a:font script="Gujr" typeface="Shruti"/>
+        <a:font script="Khmr" typeface="MoolBoran"/>
+        <a:font script="Knda" typeface="Tunga"/>
+        <a:font script="Guru" typeface="Raavi"/>
+        <a:font script="Cans" typeface="Euphemia"/>
+        <a:font script="Cher" typeface="Plantagenet Cherokee"/>
+        <a:font script="Yiii" typeface="Microsoft Yi Baiti"/>
+        <a:font script="Tibt" typeface="Microsoft Himalaya"/>
+        <a:font script="Thaa" typeface="MV Boli"/>
+        <a:font script="Deva" typeface="Mangal"/>
+        <a:font script="Telu" typeface="Gautami"/>
+        <a:font script="Taml" typeface="Latha"/>
+        <a:font script="Syrc" typeface="Estrangelo Edessa"/>
+        <a:font script="Orya" typeface="Kalinga"/>
+        <a:font script="Mlym" typeface="Kartika"/>
+        <a:font script="Laoo" typeface="DokChampa"/>
+        <a:font script="Sinh" typeface="Iskoola Pota"/>
+        <a:font script="Mong" typeface="Mongolian Baiti"/>
+        <a:font script="Viet" typeface="Times New Roman"/>
+        <a:font script="Uigh" typeface="Microsoft Uighur"/>
+        <a:font script="Geor" typeface="Sylfaen"/>
+        <a:font script="Armn" typeface="Arial"/>
+        <a:font script="Bugi" typeface="Leelawadee UI"/>
+        <a:font script="Bopo" typeface="Microsoft JhengHei"/>
+        <a:font script="Java" typeface="Javanese Text"/>
+        <a:font script="Lisu" typeface="Segoe UI"/>
+        <a:font script="Mymr" typeface="Myanmar Text"/>
+        <a:font script="Nkoo" typeface="Ebrima"/>
+        <a:font script="Olck" typeface="Nirmala UI"/>
+        <a:font script="Osma" typeface="Ebrima"/>
+        <a:font script="Phag" typeface="Phagspa"/>
+        <a:font script="Syrn" typeface="Estrangelo Edessa"/>
+        <a:font script="Syrj" typeface="Estrangelo Edessa"/>
+        <a:font script="Syre" typeface="Estrangelo Edessa"/>
+        <a:font script="Sora" typeface="Nirmala UI"/>
+        <a:font script="Tale" typeface="Microsoft Tai Le"/>
+        <a:font script="Talu" typeface="Microsoft New Tai Lue"/>
+        <a:font script="Tfng" typeface="Ebrima"/>
+      </a:majorFont>
+      <a:minorFont>
+        <a:latin typeface="Calibri" panose="020F0502020204030204"/>
+        <a:ea typeface=""/>
+        <a:cs typeface=""/>
+        <a:font script="Jpan" typeface="游ゴシック"/>
+        <a:font script="Hang" typeface="맑은 고딕"/>
+        <a:font script="Hans" typeface="等线"/>
+        <a:font script="Hant" typeface="新細明體"/>
+        <a:font script="Arab" typeface="Arial"/>
+        <a:font script="Hebr" typeface="Arial"/>
+        <a:font script="Thai" typeface="Cordia New"/>
+        <a:font script="Ethi" typeface="Nyala"/>
+        <a:font script="Beng" typeface="Vrinda"/>
+        <a:font script="Gujr" typeface="Shruti"/>
+        <a:font script="Khmr" typeface="DaunPenh"/>
+        <a:font script="Knda" typeface="Tunga"/>
+        <a:font script="Guru" typeface="Raavi"/>
+        <a:font script="Cans" typeface="Euphemia"/>
+        <a:font script="Cher" typeface="Plantagenet Cherokee"/>
+        <a:font script="Yiii" typeface="Microsoft Yi Baiti"/>
+        <a:font script="Tibt" typeface="Microsoft Himalaya"/>
+        <a:font script="Thaa" typeface="MV Boli"/>
+        <a:font script="Deva" typeface="Mangal"/>
+        <a:font script="Telu" typeface="Gautami"/>
+        <a:font script="Taml" typeface="Latha"/>
+        <a:font script="Syrc" typeface="Estrangelo Edessa"/>
+        <a:font script="Orya" typeface="Kalinga"/>
+        <a:font script="Mlym" typeface="Kartika"/>
+        <a:font script="Laoo" typeface="DokChampa"/>
+        <a:font script="Sinh" typeface="Iskoola Pota"/>
+        <a:font script="Mong" typeface="Mongolian Baiti"/>
+        <a:font script="Viet" typeface="Arial"/>
+        <a:font script="Uigh" typeface="Microsoft Uighur"/>
+        <a:font script="Geor" typeface="Sylfaen"/>
+        <a:font script="Armn" typeface="Arial"/>
+        <a:font script="Bugi" typeface="Leelawadee UI"/>
+        <a:font script="Bopo" typeface="Microsoft JhengHei"/>
+        <a:font script="Java" typeface="Javanese Text"/>
+        <a:font script="Lisu" typeface="Segoe UI"/>
+        <a:font script="Mymr" typeface="Myanmar Text"/>
+        <a:font script="Nkoo" typeface="Ebrima"/>
+        <a:font script="Olck" typeface="Nirmala UI"/>
+        <a:font script="Osma" typeface="Ebrima"/>
+        <a:font script="Phag" typeface="Phagspa"/>
+        <a:font script="Syrn" typeface="Estrangelo Edessa"/>
+        <a:font script="Syrj" typeface="Estrangelo Edessa"/>
+        <a:font script="Syre" typeface="Estrangelo Edessa"/>
+        <a:font script="Sora" typeface="Nirmala UI"/>
+        <a:font script="Tale" typeface="Microsoft Tai Le"/>
+        <a:font script="Talu" typeface="Microsoft New Tai Lue"/>
+        <a:font script="Tfng" typeface="Ebrima"/>
+      </a:minorFont>
+    </a:fontScheme>
+    <a:fmtScheme name="Office">
+      <a:fillStyleLst>
+        <a:solidFill>
+          <a:schemeClr val="phClr"/>
+        </a:solidFill>
+        <a:gradFill rotWithShape="1">
+          <a:gsLst>
+            <a:gs pos="0">
+              <a:schemeClr val="phClr">
+                <a:lumMod val="110000"/>
+                <a:satMod val="105000"/>
+                <a:tint val="67000"/>
+              </a:schemeClr>
+            </a:gs>
+            <a:gs pos="50000">
+              <a:schemeClr val="phClr">
+                <a:lumMod val="105000"/>
+                <a:satMod val="103000"/>
+                <a:tint val="73000"/>
+              </a:schemeClr>
+            </a:gs>
+            <a:gs pos="100000">
+              <a:schemeClr val="phClr">
+                <a:lumMod val="105000"/>
+                <a:satMod val="109000"/>
+                <a:tint val="81000"/>
+              </a:schemeClr>
+            </a:gs>
+          </a:gsLst>
+          <a:lin ang="5400000" scaled="0"/>
+        </a:gradFill>
+        <a:gradFill rotWithShape="1">
+          <a:gsLst>
+            <a:gs pos="0">
+              <a:schemeClr val="phClr">
+                <a:satMod val="103000"/>
+                <a:lumMod val="102000"/>
+                <a:tint val="94000"/>
+              </a:schemeClr>
+            </a:gs>
+            <a:gs pos="50000">
+              <a:schemeClr val="phClr">
+                <a:satMod val="110000"/>
+                <a:lumMod val="100000"/>
+                <a:shade val="100000"/>
+              </a:schemeClr>
+            </a:gs>
+            <a:gs pos="100000">
+              <a:schemeClr val="phClr">
+                <a:lumMod val="99000"/>
+                <a:satMod val="120000"/>
+                <a:shade val="78000"/>
+              </a:schemeClr>
+            </a:gs>
+          </a:gsLst>
+          <a:lin ang="5400000" scaled="0"/>
+        </a:gradFill>
+      </a:fillStyleLst>
+      <a:lnStyleLst>
+        <a:ln w="6350" cap="flat" cmpd="sng" algn="ctr">
+          <a:solidFill>
+            <a:schemeClr val="phClr"/>
+          </a:solidFill>
+          <a:prstDash val="solid"/>
+          <a:miter lim="800000"/>
+        </a:ln>
+        <a:ln w="12700" cap="flat" cmpd="sng" algn="ctr">
+          <a:solidFill>
+            <a:schemeClr val="phClr"/>
+          </a:solidFill>
+          <a:prstDash val="solid"/>
+          <a:miter lim="800000"/>
+        </a:ln>
+        <a:ln w="19050" cap="flat" cmpd="sng" algn="ctr">
+          <a:solidFill>
+            <a:schemeClr val="phClr"/>
+          </a:solidFill>
+          <a:prstDash val="solid"/>
+          <a:miter lim="800000"/>
+        </a:ln>
+      </a:lnStyleLst>
+      <a:effectStyleLst>
+        <a:effectStyle>
+          <a:effectLst/>
+        </a:effectStyle>
+        <a:effectStyle>
+          <a:effectLst/>
+        </a:effectStyle>
+        <a:effectStyle>
+          <a:effectLst>
+            <a:outerShdw blurRad="57150" dist="19050" dir="5400000" algn="ctr" rotWithShape="0">
+              <a:srgbClr val="000000">
+                <a:alpha val="63000"/>
+              </a:srgbClr>
+            </a:outerShdw>
+          </a:effectLst>
+        </a:effectStyle>
+      </a:effectStyleLst>
+      <a:bgFillStyleLst>
+        <a:solidFill>
+          <a:schemeClr val="phClr"/>
+        </a:solidFill>
+        <a:solidFill>
+          <a:schemeClr val="phClr">
+            <a:tint val="95000"/>
+            <a:satMod val="170000"/>
+          </a:schemeClr>
+        </a:solidFill>
+        <a:gradFill rotWithShape="1">
+          <a:gsLst>
+            <a:gs pos="0">
+              <a:schemeClr val="phClr">
+                <a:tint val="93000"/>
+                <a:satMod val="150000"/>
+                <a:shade val="98000"/>
+                <a:lumMod val="102000"/>
+              </a:schemeClr>
+            </a:gs>
+            <a:gs pos="50000">
+              <a:schemeClr val="phClr">
+                <a:tint val="98000"/>
+                <a:satMod val="130000"/>
+                <a:shade val="90000"/>
+                <a:lumMod val="103000"/>
+              </a:schemeClr>
+            </a:gs>
+            <a:gs pos="100000">
+              <a:schemeClr val="phClr">
+                <a:shade val="63000"/>
+                <a:satMod val="120000"/>
+              </a:schemeClr>
+            </a:gs>
+          </a:gsLst>
+          <a:lin ang="5400000" scaled="0"/>
+        </a:gradFill>
+      </a:bgFillStyleLst>
+    </a:fmtScheme>
+  </a:themeElements>
+  <a:objectDefaults/>
+  <a:extraClrSchemeLst/>
+  <a:extLst>
+    <a:ext uri="{05A4C25C-085E-4340-85A3-A5531E510DB2}">
+      <thm15:themeFamily xmlns:thm15="http://schemas.microsoft.com/office/thememl/2012/main" name="Office Theme" id="{62F939B6-93AF-4DB8-9C6B-D6C7DFDC589F}" vid="{4A3C46E8-61CC-4603-A589-7422A47A8E4A}"/>
+    </a:ext>
+  </a:extLst>
+</a:theme>
 </file>